--- a/process_images/meeting618.pptx
+++ b/process_images/meeting618.pptx
@@ -12,6 +12,13 @@
     <p:sldId id="260" r:id="rId6"/>
     <p:sldId id="261" r:id="rId7"/>
     <p:sldId id="262" r:id="rId8"/>
+    <p:sldId id="263" r:id="rId9"/>
+    <p:sldId id="264" r:id="rId10"/>
+    <p:sldId id="265" r:id="rId11"/>
+    <p:sldId id="266" r:id="rId12"/>
+    <p:sldId id="267" r:id="rId13"/>
+    <p:sldId id="268" r:id="rId14"/>
+    <p:sldId id="269" r:id="rId15"/>
   </p:sldIdLst>
   <p:sldSz cx="12192000" cy="6858000"/>
   <p:notesSz cx="6858000" cy="9144000"/>
@@ -110,6 +117,11 @@
       </a:defRPr>
     </a:lvl9pPr>
   </p:defaultTextStyle>
+  <p:extLst>
+    <p:ext uri="{EFAFB233-063F-42B5-8137-9DF3F51BA10A}">
+      <p15:sldGuideLst xmlns:p15="http://schemas.microsoft.com/office/powerpoint/2012/main"/>
+    </p:ext>
+  </p:extLst>
 </p:presentation>
 </file>
 
@@ -262,7 +274,7 @@
           <a:p>
             <a:fld id="{EDC64879-EA29-4704-9B7A-94F00D871390}" type="datetimeFigureOut">
               <a:rPr lang="en-US" smtClean="0"/>
-              <a:t>6/17/2018</a:t>
+              <a:t>6/18/18</a:t>
             </a:fld>
             <a:endParaRPr lang="en-US"/>
           </a:p>
@@ -462,7 +474,7 @@
           <a:p>
             <a:fld id="{EDC64879-EA29-4704-9B7A-94F00D871390}" type="datetimeFigureOut">
               <a:rPr lang="en-US" smtClean="0"/>
-              <a:t>6/17/2018</a:t>
+              <a:t>6/18/18</a:t>
             </a:fld>
             <a:endParaRPr lang="en-US"/>
           </a:p>
@@ -672,7 +684,7 @@
           <a:p>
             <a:fld id="{EDC64879-EA29-4704-9B7A-94F00D871390}" type="datetimeFigureOut">
               <a:rPr lang="en-US" smtClean="0"/>
-              <a:t>6/17/2018</a:t>
+              <a:t>6/18/18</a:t>
             </a:fld>
             <a:endParaRPr lang="en-US"/>
           </a:p>
@@ -872,7 +884,7 @@
           <a:p>
             <a:fld id="{EDC64879-EA29-4704-9B7A-94F00D871390}" type="datetimeFigureOut">
               <a:rPr lang="en-US" smtClean="0"/>
-              <a:t>6/17/2018</a:t>
+              <a:t>6/18/18</a:t>
             </a:fld>
             <a:endParaRPr lang="en-US"/>
           </a:p>
@@ -1148,7 +1160,7 @@
           <a:p>
             <a:fld id="{EDC64879-EA29-4704-9B7A-94F00D871390}" type="datetimeFigureOut">
               <a:rPr lang="en-US" smtClean="0"/>
-              <a:t>6/17/2018</a:t>
+              <a:t>6/18/18</a:t>
             </a:fld>
             <a:endParaRPr lang="en-US"/>
           </a:p>
@@ -1416,7 +1428,7 @@
           <a:p>
             <a:fld id="{EDC64879-EA29-4704-9B7A-94F00D871390}" type="datetimeFigureOut">
               <a:rPr lang="en-US" smtClean="0"/>
-              <a:t>6/17/2018</a:t>
+              <a:t>6/18/18</a:t>
             </a:fld>
             <a:endParaRPr lang="en-US"/>
           </a:p>
@@ -1831,7 +1843,7 @@
           <a:p>
             <a:fld id="{EDC64879-EA29-4704-9B7A-94F00D871390}" type="datetimeFigureOut">
               <a:rPr lang="en-US" smtClean="0"/>
-              <a:t>6/17/2018</a:t>
+              <a:t>6/18/18</a:t>
             </a:fld>
             <a:endParaRPr lang="en-US"/>
           </a:p>
@@ -1973,7 +1985,7 @@
           <a:p>
             <a:fld id="{EDC64879-EA29-4704-9B7A-94F00D871390}" type="datetimeFigureOut">
               <a:rPr lang="en-US" smtClean="0"/>
-              <a:t>6/17/2018</a:t>
+              <a:t>6/18/18</a:t>
             </a:fld>
             <a:endParaRPr lang="en-US"/>
           </a:p>
@@ -2086,7 +2098,7 @@
           <a:p>
             <a:fld id="{EDC64879-EA29-4704-9B7A-94F00D871390}" type="datetimeFigureOut">
               <a:rPr lang="en-US" smtClean="0"/>
-              <a:t>6/17/2018</a:t>
+              <a:t>6/18/18</a:t>
             </a:fld>
             <a:endParaRPr lang="en-US"/>
           </a:p>
@@ -2399,7 +2411,7 @@
           <a:p>
             <a:fld id="{EDC64879-EA29-4704-9B7A-94F00D871390}" type="datetimeFigureOut">
               <a:rPr lang="en-US" smtClean="0"/>
-              <a:t>6/17/2018</a:t>
+              <a:t>6/18/18</a:t>
             </a:fld>
             <a:endParaRPr lang="en-US"/>
           </a:p>
@@ -2688,7 +2700,7 @@
           <a:p>
             <a:fld id="{EDC64879-EA29-4704-9B7A-94F00D871390}" type="datetimeFigureOut">
               <a:rPr lang="en-US" smtClean="0"/>
-              <a:t>6/17/2018</a:t>
+              <a:t>6/18/18</a:t>
             </a:fld>
             <a:endParaRPr lang="en-US"/>
           </a:p>
@@ -2931,7 +2943,7 @@
           <a:p>
             <a:fld id="{EDC64879-EA29-4704-9B7A-94F00D871390}" type="datetimeFigureOut">
               <a:rPr lang="en-US" smtClean="0"/>
-              <a:t>6/17/2018</a:t>
+              <a:t>6/18/18</a:t>
             </a:fld>
             <a:endParaRPr lang="en-US"/>
           </a:p>
@@ -3414,6 +3426,479 @@
 </p:sld>
 </file>
 
+<file path=ppt/slides/slide10.xml><?xml version="1.0" encoding="utf-8"?>
+<p:sld xmlns:a="http://schemas.openxmlformats.org/drawingml/2006/main" xmlns:r="http://schemas.openxmlformats.org/officeDocument/2006/relationships" xmlns:p="http://schemas.openxmlformats.org/presentationml/2006/main">
+  <p:cSld>
+    <p:spTree>
+      <p:nvGrpSpPr>
+        <p:cNvPr id="1" name=""/>
+        <p:cNvGrpSpPr/>
+        <p:nvPr/>
+      </p:nvGrpSpPr>
+      <p:grpSpPr>
+        <a:xfrm>
+          <a:off x="0" y="0"/>
+          <a:ext cx="0" cy="0"/>
+          <a:chOff x="0" y="0"/>
+          <a:chExt cx="0" cy="0"/>
+        </a:xfrm>
+      </p:grpSpPr>
+      <p:sp>
+        <p:nvSpPr>
+          <p:cNvPr id="2" name="Title 1">
+            <a:extLst>
+              <a:ext uri="{FF2B5EF4-FFF2-40B4-BE49-F238E27FC236}">
+                <a16:creationId xmlns:a16="http://schemas.microsoft.com/office/drawing/2014/main" id="{EC13DAB8-CB47-E841-8090-A8734FAE50D2}"/>
+              </a:ext>
+            </a:extLst>
+          </p:cNvPr>
+          <p:cNvSpPr>
+            <a:spLocks noGrp="1"/>
+          </p:cNvSpPr>
+          <p:nvPr>
+            <p:ph type="title"/>
+          </p:nvPr>
+        </p:nvSpPr>
+        <p:spPr/>
+        <p:txBody>
+          <a:bodyPr/>
+          <a:lstStyle/>
+          <a:p>
+            <a:r>
+              <a:rPr lang="en-US" dirty="0"/>
+              <a:t>tSNE2D</a:t>
+            </a:r>
+          </a:p>
+        </p:txBody>
+      </p:sp>
+      <p:pic>
+        <p:nvPicPr>
+          <p:cNvPr id="9" name="Content Placeholder 8">
+            <a:extLst>
+              <a:ext uri="{FF2B5EF4-FFF2-40B4-BE49-F238E27FC236}">
+                <a16:creationId xmlns:a16="http://schemas.microsoft.com/office/drawing/2014/main" id="{0A00DD24-4557-584B-92D1-ABE88FE72981}"/>
+              </a:ext>
+            </a:extLst>
+          </p:cNvPr>
+          <p:cNvPicPr>
+            <a:picLocks noGrp="1" noChangeAspect="1"/>
+          </p:cNvPicPr>
+          <p:nvPr>
+            <p:ph idx="1"/>
+          </p:nvPr>
+        </p:nvPicPr>
+        <p:blipFill>
+          <a:blip r:embed="rId2">
+            <a:extLst>
+              <a:ext uri="{28A0092B-C50C-407E-A947-70E740481C1C}">
+                <a14:useLocalDpi xmlns:a14="http://schemas.microsoft.com/office/drawing/2010/main" val="0"/>
+              </a:ext>
+            </a:extLst>
+          </a:blip>
+          <a:stretch>
+            <a:fillRect/>
+          </a:stretch>
+        </p:blipFill>
+        <p:spPr>
+          <a:xfrm>
+            <a:off x="1874768" y="1825625"/>
+            <a:ext cx="8442463" cy="4351338"/>
+          </a:xfrm>
+        </p:spPr>
+      </p:pic>
+    </p:spTree>
+    <p:extLst>
+      <p:ext uri="{BB962C8B-B14F-4D97-AF65-F5344CB8AC3E}">
+        <p14:creationId xmlns:p14="http://schemas.microsoft.com/office/powerpoint/2010/main" val="2734420776"/>
+      </p:ext>
+    </p:extLst>
+  </p:cSld>
+  <p:clrMapOvr>
+    <a:masterClrMapping/>
+  </p:clrMapOvr>
+</p:sld>
+</file>
+
+<file path=ppt/slides/slide11.xml><?xml version="1.0" encoding="utf-8"?>
+<p:sld xmlns:a="http://schemas.openxmlformats.org/drawingml/2006/main" xmlns:r="http://schemas.openxmlformats.org/officeDocument/2006/relationships" xmlns:p="http://schemas.openxmlformats.org/presentationml/2006/main">
+  <p:cSld>
+    <p:spTree>
+      <p:nvGrpSpPr>
+        <p:cNvPr id="1" name=""/>
+        <p:cNvGrpSpPr/>
+        <p:nvPr/>
+      </p:nvGrpSpPr>
+      <p:grpSpPr>
+        <a:xfrm>
+          <a:off x="0" y="0"/>
+          <a:ext cx="0" cy="0"/>
+          <a:chOff x="0" y="0"/>
+          <a:chExt cx="0" cy="0"/>
+        </a:xfrm>
+      </p:grpSpPr>
+      <p:sp>
+        <p:nvSpPr>
+          <p:cNvPr id="2" name="Title 1">
+            <a:extLst>
+              <a:ext uri="{FF2B5EF4-FFF2-40B4-BE49-F238E27FC236}">
+                <a16:creationId xmlns:a16="http://schemas.microsoft.com/office/drawing/2014/main" id="{EC13DAB8-CB47-E841-8090-A8734FAE50D2}"/>
+              </a:ext>
+            </a:extLst>
+          </p:cNvPr>
+          <p:cNvSpPr>
+            <a:spLocks noGrp="1"/>
+          </p:cNvSpPr>
+          <p:nvPr>
+            <p:ph type="title"/>
+          </p:nvPr>
+        </p:nvSpPr>
+        <p:spPr/>
+        <p:txBody>
+          <a:bodyPr/>
+          <a:lstStyle/>
+          <a:p>
+            <a:r>
+              <a:rPr lang="en-US" dirty="0"/>
+              <a:t>tSNE2D_hierarchal_11clusters(</a:t>
+            </a:r>
+            <a:r>
+              <a:rPr lang="en-US" dirty="0" err="1"/>
+              <a:t>euclidean</a:t>
+            </a:r>
+            <a:r>
+              <a:rPr lang="en-US" dirty="0"/>
+              <a:t>)</a:t>
+            </a:r>
+          </a:p>
+        </p:txBody>
+      </p:sp>
+      <p:pic>
+        <p:nvPicPr>
+          <p:cNvPr id="5" name="Content Placeholder 4">
+            <a:extLst>
+              <a:ext uri="{FF2B5EF4-FFF2-40B4-BE49-F238E27FC236}">
+                <a16:creationId xmlns:a16="http://schemas.microsoft.com/office/drawing/2014/main" id="{DB606667-D4E6-3A48-8628-A97B03658E88}"/>
+              </a:ext>
+            </a:extLst>
+          </p:cNvPr>
+          <p:cNvPicPr>
+            <a:picLocks noGrp="1" noChangeAspect="1"/>
+          </p:cNvPicPr>
+          <p:nvPr>
+            <p:ph idx="1"/>
+          </p:nvPr>
+        </p:nvPicPr>
+        <p:blipFill>
+          <a:blip r:embed="rId2">
+            <a:extLst>
+              <a:ext uri="{28A0092B-C50C-407E-A947-70E740481C1C}">
+                <a14:useLocalDpi xmlns:a14="http://schemas.microsoft.com/office/drawing/2010/main" val="0"/>
+              </a:ext>
+            </a:extLst>
+          </a:blip>
+          <a:stretch>
+            <a:fillRect/>
+          </a:stretch>
+        </p:blipFill>
+        <p:spPr>
+          <a:xfrm>
+            <a:off x="1874768" y="1825625"/>
+            <a:ext cx="8442463" cy="4351338"/>
+          </a:xfrm>
+        </p:spPr>
+      </p:pic>
+    </p:spTree>
+    <p:extLst>
+      <p:ext uri="{BB962C8B-B14F-4D97-AF65-F5344CB8AC3E}">
+        <p14:creationId xmlns:p14="http://schemas.microsoft.com/office/powerpoint/2010/main" val="4215115553"/>
+      </p:ext>
+    </p:extLst>
+  </p:cSld>
+  <p:clrMapOvr>
+    <a:masterClrMapping/>
+  </p:clrMapOvr>
+</p:sld>
+</file>
+
+<file path=ppt/slides/slide12.xml><?xml version="1.0" encoding="utf-8"?>
+<p:sld xmlns:a="http://schemas.openxmlformats.org/drawingml/2006/main" xmlns:r="http://schemas.openxmlformats.org/officeDocument/2006/relationships" xmlns:p="http://schemas.openxmlformats.org/presentationml/2006/main">
+  <p:cSld>
+    <p:spTree>
+      <p:nvGrpSpPr>
+        <p:cNvPr id="1" name=""/>
+        <p:cNvGrpSpPr/>
+        <p:nvPr/>
+      </p:nvGrpSpPr>
+      <p:grpSpPr>
+        <a:xfrm>
+          <a:off x="0" y="0"/>
+          <a:ext cx="0" cy="0"/>
+          <a:chOff x="0" y="0"/>
+          <a:chExt cx="0" cy="0"/>
+        </a:xfrm>
+      </p:grpSpPr>
+      <p:sp>
+        <p:nvSpPr>
+          <p:cNvPr id="2" name="Title 1">
+            <a:extLst>
+              <a:ext uri="{FF2B5EF4-FFF2-40B4-BE49-F238E27FC236}">
+                <a16:creationId xmlns:a16="http://schemas.microsoft.com/office/drawing/2014/main" id="{EC13DAB8-CB47-E841-8090-A8734FAE50D2}"/>
+              </a:ext>
+            </a:extLst>
+          </p:cNvPr>
+          <p:cNvSpPr>
+            <a:spLocks noGrp="1"/>
+          </p:cNvSpPr>
+          <p:nvPr>
+            <p:ph type="title"/>
+          </p:nvPr>
+        </p:nvSpPr>
+        <p:spPr/>
+        <p:txBody>
+          <a:bodyPr/>
+          <a:lstStyle/>
+          <a:p>
+            <a:r>
+              <a:rPr lang="en-US" dirty="0"/>
+              <a:t>tSNE2D_hierarchal_11clusters(cosine)</a:t>
+            </a:r>
+          </a:p>
+        </p:txBody>
+      </p:sp>
+      <p:pic>
+        <p:nvPicPr>
+          <p:cNvPr id="5" name="Content Placeholder 4">
+            <a:extLst>
+              <a:ext uri="{FF2B5EF4-FFF2-40B4-BE49-F238E27FC236}">
+                <a16:creationId xmlns:a16="http://schemas.microsoft.com/office/drawing/2014/main" id="{D752EAA2-4643-524A-BA46-FE4269254280}"/>
+              </a:ext>
+            </a:extLst>
+          </p:cNvPr>
+          <p:cNvPicPr>
+            <a:picLocks noGrp="1" noChangeAspect="1"/>
+          </p:cNvPicPr>
+          <p:nvPr>
+            <p:ph idx="1"/>
+          </p:nvPr>
+        </p:nvPicPr>
+        <p:blipFill>
+          <a:blip r:embed="rId2">
+            <a:extLst>
+              <a:ext uri="{28A0092B-C50C-407E-A947-70E740481C1C}">
+                <a14:useLocalDpi xmlns:a14="http://schemas.microsoft.com/office/drawing/2010/main" val="0"/>
+              </a:ext>
+            </a:extLst>
+          </a:blip>
+          <a:stretch>
+            <a:fillRect/>
+          </a:stretch>
+        </p:blipFill>
+        <p:spPr>
+          <a:xfrm>
+            <a:off x="1874768" y="1825625"/>
+            <a:ext cx="8442463" cy="4351338"/>
+          </a:xfrm>
+        </p:spPr>
+      </p:pic>
+    </p:spTree>
+    <p:extLst>
+      <p:ext uri="{BB962C8B-B14F-4D97-AF65-F5344CB8AC3E}">
+        <p14:creationId xmlns:p14="http://schemas.microsoft.com/office/powerpoint/2010/main" val="244839831"/>
+      </p:ext>
+    </p:extLst>
+  </p:cSld>
+  <p:clrMapOvr>
+    <a:masterClrMapping/>
+  </p:clrMapOvr>
+</p:sld>
+</file>
+
+<file path=ppt/slides/slide13.xml><?xml version="1.0" encoding="utf-8"?>
+<p:sld xmlns:a="http://schemas.openxmlformats.org/drawingml/2006/main" xmlns:r="http://schemas.openxmlformats.org/officeDocument/2006/relationships" xmlns:p="http://schemas.openxmlformats.org/presentationml/2006/main">
+  <p:cSld>
+    <p:spTree>
+      <p:nvGrpSpPr>
+        <p:cNvPr id="1" name=""/>
+        <p:cNvGrpSpPr/>
+        <p:nvPr/>
+      </p:nvGrpSpPr>
+      <p:grpSpPr>
+        <a:xfrm>
+          <a:off x="0" y="0"/>
+          <a:ext cx="0" cy="0"/>
+          <a:chOff x="0" y="0"/>
+          <a:chExt cx="0" cy="0"/>
+        </a:xfrm>
+      </p:grpSpPr>
+      <p:sp>
+        <p:nvSpPr>
+          <p:cNvPr id="2" name="Title 1">
+            <a:extLst>
+              <a:ext uri="{FF2B5EF4-FFF2-40B4-BE49-F238E27FC236}">
+                <a16:creationId xmlns:a16="http://schemas.microsoft.com/office/drawing/2014/main" id="{EC13DAB8-CB47-E841-8090-A8734FAE50D2}"/>
+              </a:ext>
+            </a:extLst>
+          </p:cNvPr>
+          <p:cNvSpPr>
+            <a:spLocks noGrp="1"/>
+          </p:cNvSpPr>
+          <p:nvPr>
+            <p:ph type="title"/>
+          </p:nvPr>
+        </p:nvSpPr>
+        <p:spPr/>
+        <p:txBody>
+          <a:bodyPr/>
+          <a:lstStyle/>
+          <a:p>
+            <a:r>
+              <a:rPr lang="en-US" dirty="0"/>
+              <a:t>PairwiseSilhouetteCoefficient_hierarchal_11clusters</a:t>
+            </a:r>
+          </a:p>
+        </p:txBody>
+      </p:sp>
+      <p:pic>
+        <p:nvPicPr>
+          <p:cNvPr id="5" name="Content Placeholder 4">
+            <a:extLst>
+              <a:ext uri="{FF2B5EF4-FFF2-40B4-BE49-F238E27FC236}">
+                <a16:creationId xmlns:a16="http://schemas.microsoft.com/office/drawing/2014/main" id="{532B1751-9E4C-924D-88D8-99A576BFED04}"/>
+              </a:ext>
+            </a:extLst>
+          </p:cNvPr>
+          <p:cNvPicPr>
+            <a:picLocks noGrp="1" noChangeAspect="1"/>
+          </p:cNvPicPr>
+          <p:nvPr>
+            <p:ph idx="1"/>
+          </p:nvPr>
+        </p:nvPicPr>
+        <p:blipFill>
+          <a:blip r:embed="rId2">
+            <a:extLst>
+              <a:ext uri="{28A0092B-C50C-407E-A947-70E740481C1C}">
+                <a14:useLocalDpi xmlns:a14="http://schemas.microsoft.com/office/drawing/2010/main" val="0"/>
+              </a:ext>
+            </a:extLst>
+          </a:blip>
+          <a:stretch>
+            <a:fillRect/>
+          </a:stretch>
+        </p:blipFill>
+        <p:spPr>
+          <a:xfrm>
+            <a:off x="3547762" y="1466187"/>
+            <a:ext cx="5096475" cy="5391813"/>
+          </a:xfrm>
+        </p:spPr>
+      </p:pic>
+    </p:spTree>
+    <p:extLst>
+      <p:ext uri="{BB962C8B-B14F-4D97-AF65-F5344CB8AC3E}">
+        <p14:creationId xmlns:p14="http://schemas.microsoft.com/office/powerpoint/2010/main" val="2063562417"/>
+      </p:ext>
+    </p:extLst>
+  </p:cSld>
+  <p:clrMapOvr>
+    <a:masterClrMapping/>
+  </p:clrMapOvr>
+</p:sld>
+</file>
+
+<file path=ppt/slides/slide14.xml><?xml version="1.0" encoding="utf-8"?>
+<p:sld xmlns:a="http://schemas.openxmlformats.org/drawingml/2006/main" xmlns:r="http://schemas.openxmlformats.org/officeDocument/2006/relationships" xmlns:p="http://schemas.openxmlformats.org/presentationml/2006/main">
+  <p:cSld>
+    <p:spTree>
+      <p:nvGrpSpPr>
+        <p:cNvPr id="1" name=""/>
+        <p:cNvGrpSpPr/>
+        <p:nvPr/>
+      </p:nvGrpSpPr>
+      <p:grpSpPr>
+        <a:xfrm>
+          <a:off x="0" y="0"/>
+          <a:ext cx="0" cy="0"/>
+          <a:chOff x="0" y="0"/>
+          <a:chExt cx="0" cy="0"/>
+        </a:xfrm>
+      </p:grpSpPr>
+      <p:sp>
+        <p:nvSpPr>
+          <p:cNvPr id="2" name="Title 1">
+            <a:extLst>
+              <a:ext uri="{FF2B5EF4-FFF2-40B4-BE49-F238E27FC236}">
+                <a16:creationId xmlns:a16="http://schemas.microsoft.com/office/drawing/2014/main" id="{EC13DAB8-CB47-E841-8090-A8734FAE50D2}"/>
+              </a:ext>
+            </a:extLst>
+          </p:cNvPr>
+          <p:cNvSpPr>
+            <a:spLocks noGrp="1"/>
+          </p:cNvSpPr>
+          <p:nvPr>
+            <p:ph type="title"/>
+          </p:nvPr>
+        </p:nvSpPr>
+        <p:spPr/>
+        <p:txBody>
+          <a:bodyPr/>
+          <a:lstStyle/>
+          <a:p>
+            <a:r>
+              <a:rPr lang="en-US" dirty="0"/>
+              <a:t>tSNE3D_hierarchal_11clusters(cosine)</a:t>
+            </a:r>
+          </a:p>
+        </p:txBody>
+      </p:sp>
+      <p:pic>
+        <p:nvPicPr>
+          <p:cNvPr id="5" name="Content Placeholder 4">
+            <a:extLst>
+              <a:ext uri="{FF2B5EF4-FFF2-40B4-BE49-F238E27FC236}">
+                <a16:creationId xmlns:a16="http://schemas.microsoft.com/office/drawing/2014/main" id="{4CB3098A-11BD-7C4B-B360-25432256F2B4}"/>
+              </a:ext>
+            </a:extLst>
+          </p:cNvPr>
+          <p:cNvPicPr>
+            <a:picLocks noGrp="1" noChangeAspect="1"/>
+          </p:cNvPicPr>
+          <p:nvPr>
+            <p:ph idx="1"/>
+          </p:nvPr>
+        </p:nvPicPr>
+        <p:blipFill>
+          <a:blip r:embed="rId2">
+            <a:extLst>
+              <a:ext uri="{28A0092B-C50C-407E-A947-70E740481C1C}">
+                <a14:useLocalDpi xmlns:a14="http://schemas.microsoft.com/office/drawing/2010/main" val="0"/>
+              </a:ext>
+            </a:extLst>
+          </a:blip>
+          <a:stretch>
+            <a:fillRect/>
+          </a:stretch>
+        </p:blipFill>
+        <p:spPr>
+          <a:xfrm>
+            <a:off x="3920331" y="1825625"/>
+            <a:ext cx="4351338" cy="4351338"/>
+          </a:xfrm>
+        </p:spPr>
+      </p:pic>
+    </p:spTree>
+    <p:extLst>
+      <p:ext uri="{BB962C8B-B14F-4D97-AF65-F5344CB8AC3E}">
+        <p14:creationId xmlns:p14="http://schemas.microsoft.com/office/powerpoint/2010/main" val="2671203142"/>
+      </p:ext>
+    </p:extLst>
+  </p:cSld>
+  <p:clrMapOvr>
+    <a:masterClrMapping/>
+  </p:clrMapOvr>
+</p:sld>
+</file>
+
 <file path=ppt/slides/slide2.xml><?xml version="1.0" encoding="utf-8"?>
 <p:sld xmlns:a="http://schemas.openxmlformats.org/drawingml/2006/main" xmlns:r="http://schemas.openxmlformats.org/officeDocument/2006/relationships" xmlns:p="http://schemas.openxmlformats.org/presentationml/2006/main">
   <p:cSld>
@@ -3923,39 +4408,315 @@
           <a:bodyPr/>
           <a:lstStyle/>
           <a:p>
-            <a:endParaRPr lang="en-US"/>
-          </a:p>
-        </p:txBody>
-      </p:sp>
-      <p:sp>
-        <p:nvSpPr>
-          <p:cNvPr id="3" name="内容占位符 2">
-            <a:extLst>
-              <a:ext uri="{FF2B5EF4-FFF2-40B4-BE49-F238E27FC236}">
-                <a16:creationId xmlns:a16="http://schemas.microsoft.com/office/drawing/2014/main" id="{757AD1C1-CDCE-43CC-BE79-428CF1C57263}"/>
-              </a:ext>
-            </a:extLst>
-          </p:cNvPr>
-          <p:cNvSpPr>
-            <a:spLocks noGrp="1"/>
-          </p:cNvSpPr>
+            <a:r>
+              <a:rPr lang="en-US" altLang="zh-CN" dirty="0"/>
+              <a:t>PCA_hierarchal_11clusters(cosine)</a:t>
+            </a:r>
+            <a:endParaRPr lang="en-US" dirty="0"/>
+          </a:p>
+        </p:txBody>
+      </p:sp>
+      <p:pic>
+        <p:nvPicPr>
+          <p:cNvPr id="5" name="Content Placeholder 4">
+            <a:extLst>
+              <a:ext uri="{FF2B5EF4-FFF2-40B4-BE49-F238E27FC236}">
+                <a16:creationId xmlns:a16="http://schemas.microsoft.com/office/drawing/2014/main" id="{79D7E175-206B-DD4E-BCAF-F36B2AC0F74C}"/>
+              </a:ext>
+            </a:extLst>
+          </p:cNvPr>
+          <p:cNvPicPr>
+            <a:picLocks noGrp="1" noChangeAspect="1"/>
+          </p:cNvPicPr>
           <p:nvPr>
             <p:ph idx="1"/>
           </p:nvPr>
-        </p:nvSpPr>
-        <p:spPr/>
-        <p:txBody>
-          <a:bodyPr/>
-          <a:lstStyle/>
-          <a:p>
-            <a:endParaRPr lang="en-US"/>
-          </a:p>
-        </p:txBody>
-      </p:sp>
+        </p:nvPicPr>
+        <p:blipFill>
+          <a:blip r:embed="rId2">
+            <a:extLst>
+              <a:ext uri="{28A0092B-C50C-407E-A947-70E740481C1C}">
+                <a14:useLocalDpi xmlns:a14="http://schemas.microsoft.com/office/drawing/2010/main" val="0"/>
+              </a:ext>
+            </a:extLst>
+          </a:blip>
+          <a:stretch>
+            <a:fillRect/>
+          </a:stretch>
+        </p:blipFill>
+        <p:spPr>
+          <a:xfrm>
+            <a:off x="1744662" y="1825625"/>
+            <a:ext cx="8702676" cy="4351338"/>
+          </a:xfrm>
+        </p:spPr>
+      </p:pic>
     </p:spTree>
     <p:extLst>
       <p:ext uri="{BB962C8B-B14F-4D97-AF65-F5344CB8AC3E}">
         <p14:creationId xmlns:p14="http://schemas.microsoft.com/office/powerpoint/2010/main" val="1036424794"/>
+      </p:ext>
+    </p:extLst>
+  </p:cSld>
+  <p:clrMapOvr>
+    <a:masterClrMapping/>
+  </p:clrMapOvr>
+</p:sld>
+</file>
+
+<file path=ppt/slides/slide8.xml><?xml version="1.0" encoding="utf-8"?>
+<p:sld xmlns:a="http://schemas.openxmlformats.org/drawingml/2006/main" xmlns:r="http://schemas.openxmlformats.org/officeDocument/2006/relationships" xmlns:p="http://schemas.openxmlformats.org/presentationml/2006/main">
+  <p:cSld>
+    <p:spTree>
+      <p:nvGrpSpPr>
+        <p:cNvPr id="1" name=""/>
+        <p:cNvGrpSpPr/>
+        <p:nvPr/>
+      </p:nvGrpSpPr>
+      <p:grpSpPr>
+        <a:xfrm>
+          <a:off x="0" y="0"/>
+          <a:ext cx="0" cy="0"/>
+          <a:chOff x="0" y="0"/>
+          <a:chExt cx="0" cy="0"/>
+        </a:xfrm>
+      </p:grpSpPr>
+      <p:sp>
+        <p:nvSpPr>
+          <p:cNvPr id="2" name="Title 1">
+            <a:extLst>
+              <a:ext uri="{FF2B5EF4-FFF2-40B4-BE49-F238E27FC236}">
+                <a16:creationId xmlns:a16="http://schemas.microsoft.com/office/drawing/2014/main" id="{EC13DAB8-CB47-E841-8090-A8734FAE50D2}"/>
+              </a:ext>
+            </a:extLst>
+          </p:cNvPr>
+          <p:cNvSpPr>
+            <a:spLocks noGrp="1"/>
+          </p:cNvSpPr>
+          <p:nvPr>
+            <p:ph type="title"/>
+          </p:nvPr>
+        </p:nvSpPr>
+        <p:spPr/>
+        <p:txBody>
+          <a:bodyPr>
+            <a:normAutofit fontScale="90000"/>
+          </a:bodyPr>
+          <a:lstStyle/>
+          <a:p>
+            <a:r>
+              <a:rPr lang="en-US" dirty="0"/>
+              <a:t>perplexity_10_regularizer_0.001_batch_size_512_learning_rate_0.01_latent_dimension_2_activation_ELU_seed_1_iter_3000_log_likelihood</a:t>
+            </a:r>
+          </a:p>
+        </p:txBody>
+      </p:sp>
+      <p:pic>
+        <p:nvPicPr>
+          <p:cNvPr id="5" name="Content Placeholder 4">
+            <a:extLst>
+              <a:ext uri="{FF2B5EF4-FFF2-40B4-BE49-F238E27FC236}">
+                <a16:creationId xmlns:a16="http://schemas.microsoft.com/office/drawing/2014/main" id="{53BE57DD-9603-E64C-AD48-2D4486F78A32}"/>
+              </a:ext>
+            </a:extLst>
+          </p:cNvPr>
+          <p:cNvPicPr>
+            <a:picLocks noGrp="1" noChangeAspect="1"/>
+          </p:cNvPicPr>
+          <p:nvPr>
+            <p:ph idx="1"/>
+          </p:nvPr>
+        </p:nvPicPr>
+        <p:blipFill>
+          <a:blip r:embed="rId2">
+            <a:extLst>
+              <a:ext uri="{28A0092B-C50C-407E-A947-70E740481C1C}">
+                <a14:useLocalDpi xmlns:a14="http://schemas.microsoft.com/office/drawing/2010/main" val="0"/>
+              </a:ext>
+            </a:extLst>
+          </a:blip>
+          <a:stretch>
+            <a:fillRect/>
+          </a:stretch>
+        </p:blipFill>
+        <p:spPr>
+          <a:xfrm>
+            <a:off x="838200" y="1970004"/>
+            <a:ext cx="6527007" cy="4351338"/>
+          </a:xfrm>
+        </p:spPr>
+      </p:pic>
+      <p:pic>
+        <p:nvPicPr>
+          <p:cNvPr id="7" name="Picture 6">
+            <a:extLst>
+              <a:ext uri="{FF2B5EF4-FFF2-40B4-BE49-F238E27FC236}">
+                <a16:creationId xmlns:a16="http://schemas.microsoft.com/office/drawing/2014/main" id="{34961817-C611-E64C-AB46-848C7E5B0D38}"/>
+              </a:ext>
+            </a:extLst>
+          </p:cNvPr>
+          <p:cNvPicPr>
+            <a:picLocks noChangeAspect="1"/>
+          </p:cNvPicPr>
+          <p:nvPr/>
+        </p:nvPicPr>
+        <p:blipFill>
+          <a:blip r:embed="rId3">
+            <a:extLst>
+              <a:ext uri="{28A0092B-C50C-407E-A947-70E740481C1C}">
+                <a14:useLocalDpi xmlns:a14="http://schemas.microsoft.com/office/drawing/2010/main" val="0"/>
+              </a:ext>
+            </a:extLst>
+          </a:blip>
+          <a:stretch>
+            <a:fillRect/>
+          </a:stretch>
+        </p:blipFill>
+        <p:spPr>
+          <a:xfrm>
+            <a:off x="6333262" y="2399047"/>
+            <a:ext cx="5020538" cy="3922295"/>
+          </a:xfrm>
+          <a:prstGeom prst="rect">
+            <a:avLst/>
+          </a:prstGeom>
+        </p:spPr>
+      </p:pic>
+    </p:spTree>
+    <p:extLst>
+      <p:ext uri="{BB962C8B-B14F-4D97-AF65-F5344CB8AC3E}">
+        <p14:creationId xmlns:p14="http://schemas.microsoft.com/office/powerpoint/2010/main" val="1733719691"/>
+      </p:ext>
+    </p:extLst>
+  </p:cSld>
+  <p:clrMapOvr>
+    <a:masterClrMapping/>
+  </p:clrMapOvr>
+</p:sld>
+</file>
+
+<file path=ppt/slides/slide9.xml><?xml version="1.0" encoding="utf-8"?>
+<p:sld xmlns:a="http://schemas.openxmlformats.org/drawingml/2006/main" xmlns:r="http://schemas.openxmlformats.org/officeDocument/2006/relationships" xmlns:p="http://schemas.openxmlformats.org/presentationml/2006/main">
+  <p:cSld>
+    <p:spTree>
+      <p:nvGrpSpPr>
+        <p:cNvPr id="1" name=""/>
+        <p:cNvGrpSpPr/>
+        <p:nvPr/>
+      </p:nvGrpSpPr>
+      <p:grpSpPr>
+        <a:xfrm>
+          <a:off x="0" y="0"/>
+          <a:ext cx="0" cy="0"/>
+          <a:chOff x="0" y="0"/>
+          <a:chExt cx="0" cy="0"/>
+        </a:xfrm>
+      </p:grpSpPr>
+      <p:sp>
+        <p:nvSpPr>
+          <p:cNvPr id="2" name="Title 1">
+            <a:extLst>
+              <a:ext uri="{FF2B5EF4-FFF2-40B4-BE49-F238E27FC236}">
+                <a16:creationId xmlns:a16="http://schemas.microsoft.com/office/drawing/2014/main" id="{EC13DAB8-CB47-E841-8090-A8734FAE50D2}"/>
+              </a:ext>
+            </a:extLst>
+          </p:cNvPr>
+          <p:cNvSpPr>
+            <a:spLocks noGrp="1"/>
+          </p:cNvSpPr>
+          <p:nvPr>
+            <p:ph type="title"/>
+          </p:nvPr>
+        </p:nvSpPr>
+        <p:spPr/>
+        <p:txBody>
+          <a:bodyPr>
+            <a:normAutofit fontScale="90000"/>
+          </a:bodyPr>
+          <a:lstStyle/>
+          <a:p>
+            <a:r>
+              <a:rPr lang="en-US" dirty="0"/>
+              <a:t>perplexity_10_regularizer_0.001_batch_size_512_learning_rate_0.01_latent_dimension_2_activation_ELU_seed_1_iter_3000_log_likelihood</a:t>
+            </a:r>
+          </a:p>
+        </p:txBody>
+      </p:sp>
+      <p:pic>
+        <p:nvPicPr>
+          <p:cNvPr id="5" name="Content Placeholder 4">
+            <a:extLst>
+              <a:ext uri="{FF2B5EF4-FFF2-40B4-BE49-F238E27FC236}">
+                <a16:creationId xmlns:a16="http://schemas.microsoft.com/office/drawing/2014/main" id="{9788A7E3-77C5-2D4D-BE3C-7E5202CB8513}"/>
+              </a:ext>
+            </a:extLst>
+          </p:cNvPr>
+          <p:cNvPicPr>
+            <a:picLocks noGrp="1" noChangeAspect="1"/>
+          </p:cNvPicPr>
+          <p:nvPr>
+            <p:ph idx="1"/>
+          </p:nvPr>
+        </p:nvPicPr>
+        <p:blipFill>
+          <a:blip r:embed="rId2">
+            <a:extLst>
+              <a:ext uri="{28A0092B-C50C-407E-A947-70E740481C1C}">
+                <a14:useLocalDpi xmlns:a14="http://schemas.microsoft.com/office/drawing/2010/main" val="0"/>
+              </a:ext>
+            </a:extLst>
+          </a:blip>
+          <a:stretch>
+            <a:fillRect/>
+          </a:stretch>
+        </p:blipFill>
+        <p:spPr>
+          <a:xfrm>
+            <a:off x="838200" y="1835066"/>
+            <a:ext cx="6527007" cy="4351338"/>
+          </a:xfrm>
+        </p:spPr>
+      </p:pic>
+      <p:pic>
+        <p:nvPicPr>
+          <p:cNvPr id="7" name="Picture 6">
+            <a:extLst>
+              <a:ext uri="{FF2B5EF4-FFF2-40B4-BE49-F238E27FC236}">
+                <a16:creationId xmlns:a16="http://schemas.microsoft.com/office/drawing/2014/main" id="{E5B67C34-161E-1740-86BA-822162612C10}"/>
+              </a:ext>
+            </a:extLst>
+          </p:cNvPr>
+          <p:cNvPicPr>
+            <a:picLocks noChangeAspect="1"/>
+          </p:cNvPicPr>
+          <p:nvPr/>
+        </p:nvPicPr>
+        <p:blipFill>
+          <a:blip r:embed="rId3">
+            <a:extLst>
+              <a:ext uri="{28A0092B-C50C-407E-A947-70E740481C1C}">
+                <a14:useLocalDpi xmlns:a14="http://schemas.microsoft.com/office/drawing/2010/main" val="0"/>
+              </a:ext>
+            </a:extLst>
+          </a:blip>
+          <a:stretch>
+            <a:fillRect/>
+          </a:stretch>
+        </p:blipFill>
+        <p:spPr>
+          <a:xfrm>
+            <a:off x="6422883" y="2334125"/>
+            <a:ext cx="4930917" cy="3852279"/>
+          </a:xfrm>
+          <a:prstGeom prst="rect">
+            <a:avLst/>
+          </a:prstGeom>
+        </p:spPr>
+      </p:pic>
+    </p:spTree>
+    <p:extLst>
+      <p:ext uri="{BB962C8B-B14F-4D97-AF65-F5344CB8AC3E}">
+        <p14:creationId xmlns:p14="http://schemas.microsoft.com/office/powerpoint/2010/main" val="2591084915"/>
       </p:ext>
     </p:extLst>
   </p:cSld>

--- a/process_images/meeting618.pptx
+++ b/process_images/meeting618.pptx
@@ -7,18 +7,21 @@
   <p:sldIdLst>
     <p:sldId id="256" r:id="rId2"/>
     <p:sldId id="258" r:id="rId3"/>
-    <p:sldId id="257" r:id="rId4"/>
-    <p:sldId id="259" r:id="rId5"/>
-    <p:sldId id="260" r:id="rId6"/>
-    <p:sldId id="261" r:id="rId7"/>
-    <p:sldId id="262" r:id="rId8"/>
-    <p:sldId id="263" r:id="rId9"/>
-    <p:sldId id="264" r:id="rId10"/>
-    <p:sldId id="265" r:id="rId11"/>
-    <p:sldId id="266" r:id="rId12"/>
-    <p:sldId id="267" r:id="rId13"/>
-    <p:sldId id="268" r:id="rId14"/>
-    <p:sldId id="269" r:id="rId15"/>
+    <p:sldId id="270" r:id="rId4"/>
+    <p:sldId id="257" r:id="rId5"/>
+    <p:sldId id="259" r:id="rId6"/>
+    <p:sldId id="260" r:id="rId7"/>
+    <p:sldId id="261" r:id="rId8"/>
+    <p:sldId id="271" r:id="rId9"/>
+    <p:sldId id="272" r:id="rId10"/>
+    <p:sldId id="262" r:id="rId11"/>
+    <p:sldId id="263" r:id="rId12"/>
+    <p:sldId id="264" r:id="rId13"/>
+    <p:sldId id="265" r:id="rId14"/>
+    <p:sldId id="266" r:id="rId15"/>
+    <p:sldId id="267" r:id="rId16"/>
+    <p:sldId id="268" r:id="rId17"/>
+    <p:sldId id="269" r:id="rId18"/>
   </p:sldIdLst>
   <p:sldSz cx="12192000" cy="6858000"/>
   <p:notesSz cx="6858000" cy="9144000"/>
@@ -274,7 +277,7 @@
           <a:p>
             <a:fld id="{EDC64879-EA29-4704-9B7A-94F00D871390}" type="datetimeFigureOut">
               <a:rPr lang="en-US" smtClean="0"/>
-              <a:t>6/18/18</a:t>
+              <a:t>6/18/2018</a:t>
             </a:fld>
             <a:endParaRPr lang="en-US"/>
           </a:p>
@@ -474,7 +477,7 @@
           <a:p>
             <a:fld id="{EDC64879-EA29-4704-9B7A-94F00D871390}" type="datetimeFigureOut">
               <a:rPr lang="en-US" smtClean="0"/>
-              <a:t>6/18/18</a:t>
+              <a:t>6/18/2018</a:t>
             </a:fld>
             <a:endParaRPr lang="en-US"/>
           </a:p>
@@ -684,7 +687,7 @@
           <a:p>
             <a:fld id="{EDC64879-EA29-4704-9B7A-94F00D871390}" type="datetimeFigureOut">
               <a:rPr lang="en-US" smtClean="0"/>
-              <a:t>6/18/18</a:t>
+              <a:t>6/18/2018</a:t>
             </a:fld>
             <a:endParaRPr lang="en-US"/>
           </a:p>
@@ -884,7 +887,7 @@
           <a:p>
             <a:fld id="{EDC64879-EA29-4704-9B7A-94F00D871390}" type="datetimeFigureOut">
               <a:rPr lang="en-US" smtClean="0"/>
-              <a:t>6/18/18</a:t>
+              <a:t>6/18/2018</a:t>
             </a:fld>
             <a:endParaRPr lang="en-US"/>
           </a:p>
@@ -1160,7 +1163,7 @@
           <a:p>
             <a:fld id="{EDC64879-EA29-4704-9B7A-94F00D871390}" type="datetimeFigureOut">
               <a:rPr lang="en-US" smtClean="0"/>
-              <a:t>6/18/18</a:t>
+              <a:t>6/18/2018</a:t>
             </a:fld>
             <a:endParaRPr lang="en-US"/>
           </a:p>
@@ -1428,7 +1431,7 @@
           <a:p>
             <a:fld id="{EDC64879-EA29-4704-9B7A-94F00D871390}" type="datetimeFigureOut">
               <a:rPr lang="en-US" smtClean="0"/>
-              <a:t>6/18/18</a:t>
+              <a:t>6/18/2018</a:t>
             </a:fld>
             <a:endParaRPr lang="en-US"/>
           </a:p>
@@ -1843,7 +1846,7 @@
           <a:p>
             <a:fld id="{EDC64879-EA29-4704-9B7A-94F00D871390}" type="datetimeFigureOut">
               <a:rPr lang="en-US" smtClean="0"/>
-              <a:t>6/18/18</a:t>
+              <a:t>6/18/2018</a:t>
             </a:fld>
             <a:endParaRPr lang="en-US"/>
           </a:p>
@@ -1985,7 +1988,7 @@
           <a:p>
             <a:fld id="{EDC64879-EA29-4704-9B7A-94F00D871390}" type="datetimeFigureOut">
               <a:rPr lang="en-US" smtClean="0"/>
-              <a:t>6/18/18</a:t>
+              <a:t>6/18/2018</a:t>
             </a:fld>
             <a:endParaRPr lang="en-US"/>
           </a:p>
@@ -2098,7 +2101,7 @@
           <a:p>
             <a:fld id="{EDC64879-EA29-4704-9B7A-94F00D871390}" type="datetimeFigureOut">
               <a:rPr lang="en-US" smtClean="0"/>
-              <a:t>6/18/18</a:t>
+              <a:t>6/18/2018</a:t>
             </a:fld>
             <a:endParaRPr lang="en-US"/>
           </a:p>
@@ -2411,7 +2414,7 @@
           <a:p>
             <a:fld id="{EDC64879-EA29-4704-9B7A-94F00D871390}" type="datetimeFigureOut">
               <a:rPr lang="en-US" smtClean="0"/>
-              <a:t>6/18/18</a:t>
+              <a:t>6/18/2018</a:t>
             </a:fld>
             <a:endParaRPr lang="en-US"/>
           </a:p>
@@ -2700,7 +2703,7 @@
           <a:p>
             <a:fld id="{EDC64879-EA29-4704-9B7A-94F00D871390}" type="datetimeFigureOut">
               <a:rPr lang="en-US" smtClean="0"/>
-              <a:t>6/18/18</a:t>
+              <a:t>6/18/2018</a:t>
             </a:fld>
             <a:endParaRPr lang="en-US"/>
           </a:p>
@@ -2943,7 +2946,7 @@
           <a:p>
             <a:fld id="{EDC64879-EA29-4704-9B7A-94F00D871390}" type="datetimeFigureOut">
               <a:rPr lang="en-US" smtClean="0"/>
-              <a:t>6/18/18</a:t>
+              <a:t>6/18/2018</a:t>
             </a:fld>
             <a:endParaRPr lang="en-US"/>
           </a:p>
@@ -3445,10 +3448,10 @@
       </p:grpSpPr>
       <p:sp>
         <p:nvSpPr>
-          <p:cNvPr id="2" name="Title 1">
-            <a:extLst>
-              <a:ext uri="{FF2B5EF4-FFF2-40B4-BE49-F238E27FC236}">
-                <a16:creationId xmlns:a16="http://schemas.microsoft.com/office/drawing/2014/main" id="{EC13DAB8-CB47-E841-8090-A8734FAE50D2}"/>
+          <p:cNvPr id="2" name="标题 1">
+            <a:extLst>
+              <a:ext uri="{FF2B5EF4-FFF2-40B4-BE49-F238E27FC236}">
+                <a16:creationId xmlns:a16="http://schemas.microsoft.com/office/drawing/2014/main" id="{93DAA349-8B9C-4E49-B763-D332BD634221}"/>
               </a:ext>
             </a:extLst>
           </p:cNvPr>
@@ -3465,18 +3468,19 @@
           <a:lstStyle/>
           <a:p>
             <a:r>
-              <a:rPr lang="en-US" dirty="0"/>
-              <a:t>tSNE2D</a:t>
-            </a:r>
+              <a:rPr lang="en-US" altLang="zh-CN" dirty="0"/>
+              <a:t>PCA_hierarchal_11clusters(cosine)</a:t>
+            </a:r>
+            <a:endParaRPr lang="en-US" dirty="0"/>
           </a:p>
         </p:txBody>
       </p:sp>
       <p:pic>
         <p:nvPicPr>
-          <p:cNvPr id="9" name="Content Placeholder 8">
-            <a:extLst>
-              <a:ext uri="{FF2B5EF4-FFF2-40B4-BE49-F238E27FC236}">
-                <a16:creationId xmlns:a16="http://schemas.microsoft.com/office/drawing/2014/main" id="{0A00DD24-4557-584B-92D1-ABE88FE72981}"/>
+          <p:cNvPr id="5" name="Content Placeholder 4">
+            <a:extLst>
+              <a:ext uri="{FF2B5EF4-FFF2-40B4-BE49-F238E27FC236}">
+                <a16:creationId xmlns:a16="http://schemas.microsoft.com/office/drawing/2014/main" id="{79D7E175-206B-DD4E-BCAF-F36B2AC0F74C}"/>
               </a:ext>
             </a:extLst>
           </p:cNvPr>
@@ -3501,15 +3505,15 @@
         </p:blipFill>
         <p:spPr>
           <a:xfrm>
-            <a:off x="1874768" y="1825625"/>
-            <a:ext cx="8442463" cy="4351338"/>
+            <a:off x="1744662" y="1825625"/>
+            <a:ext cx="8702676" cy="4351338"/>
           </a:xfrm>
         </p:spPr>
       </p:pic>
     </p:spTree>
     <p:extLst>
       <p:ext uri="{BB962C8B-B14F-4D97-AF65-F5344CB8AC3E}">
-        <p14:creationId xmlns:p14="http://schemas.microsoft.com/office/powerpoint/2010/main" val="2734420776"/>
+        <p14:creationId xmlns:p14="http://schemas.microsoft.com/office/powerpoint/2010/main" val="1036424794"/>
       </p:ext>
     </p:extLst>
   </p:cSld>
@@ -3554,20 +3558,14 @@
         </p:nvSpPr>
         <p:spPr/>
         <p:txBody>
-          <a:bodyPr/>
+          <a:bodyPr>
+            <a:normAutofit fontScale="90000"/>
+          </a:bodyPr>
           <a:lstStyle/>
           <a:p>
             <a:r>
               <a:rPr lang="en-US" dirty="0"/>
-              <a:t>tSNE2D_hierarchal_11clusters(</a:t>
-            </a:r>
-            <a:r>
-              <a:rPr lang="en-US" dirty="0" err="1"/>
-              <a:t>euclidean</a:t>
-            </a:r>
-            <a:r>
-              <a:rPr lang="en-US" dirty="0"/>
-              <a:t>)</a:t>
+              <a:t>perplexity_10_regularizer_0.001_batch_size_512_learning_rate_0.01_latent_dimension_2_activation_ELU_seed_1_iter_3000_log_likelihood</a:t>
             </a:r>
           </a:p>
         </p:txBody>
@@ -3577,7 +3575,7 @@
           <p:cNvPr id="5" name="Content Placeholder 4">
             <a:extLst>
               <a:ext uri="{FF2B5EF4-FFF2-40B4-BE49-F238E27FC236}">
-                <a16:creationId xmlns:a16="http://schemas.microsoft.com/office/drawing/2014/main" id="{DB606667-D4E6-3A48-8628-A97B03658E88}"/>
+                <a16:creationId xmlns:a16="http://schemas.microsoft.com/office/drawing/2014/main" id="{53BE57DD-9603-E64C-AD48-2D4486F78A32}"/>
               </a:ext>
             </a:extLst>
           </p:cNvPr>
@@ -3602,15 +3600,51 @@
         </p:blipFill>
         <p:spPr>
           <a:xfrm>
-            <a:off x="1874768" y="1825625"/>
-            <a:ext cx="8442463" cy="4351338"/>
+            <a:off x="838200" y="1970004"/>
+            <a:ext cx="6527007" cy="4351338"/>
           </a:xfrm>
+        </p:spPr>
+      </p:pic>
+      <p:pic>
+        <p:nvPicPr>
+          <p:cNvPr id="7" name="Picture 6">
+            <a:extLst>
+              <a:ext uri="{FF2B5EF4-FFF2-40B4-BE49-F238E27FC236}">
+                <a16:creationId xmlns:a16="http://schemas.microsoft.com/office/drawing/2014/main" id="{34961817-C611-E64C-AB46-848C7E5B0D38}"/>
+              </a:ext>
+            </a:extLst>
+          </p:cNvPr>
+          <p:cNvPicPr>
+            <a:picLocks noChangeAspect="1"/>
+          </p:cNvPicPr>
+          <p:nvPr/>
+        </p:nvPicPr>
+        <p:blipFill>
+          <a:blip r:embed="rId3">
+            <a:extLst>
+              <a:ext uri="{28A0092B-C50C-407E-A947-70E740481C1C}">
+                <a14:useLocalDpi xmlns:a14="http://schemas.microsoft.com/office/drawing/2010/main" val="0"/>
+              </a:ext>
+            </a:extLst>
+          </a:blip>
+          <a:stretch>
+            <a:fillRect/>
+          </a:stretch>
+        </p:blipFill>
+        <p:spPr>
+          <a:xfrm>
+            <a:off x="6333262" y="2399047"/>
+            <a:ext cx="5020538" cy="3922295"/>
+          </a:xfrm>
+          <a:prstGeom prst="rect">
+            <a:avLst/>
+          </a:prstGeom>
         </p:spPr>
       </p:pic>
     </p:spTree>
     <p:extLst>
       <p:ext uri="{BB962C8B-B14F-4D97-AF65-F5344CB8AC3E}">
-        <p14:creationId xmlns:p14="http://schemas.microsoft.com/office/powerpoint/2010/main" val="4215115553"/>
+        <p14:creationId xmlns:p14="http://schemas.microsoft.com/office/powerpoint/2010/main" val="1733719691"/>
       </p:ext>
     </p:extLst>
   </p:cSld>
@@ -3655,12 +3689,14 @@
         </p:nvSpPr>
         <p:spPr/>
         <p:txBody>
-          <a:bodyPr/>
+          <a:bodyPr>
+            <a:normAutofit fontScale="90000"/>
+          </a:bodyPr>
           <a:lstStyle/>
           <a:p>
             <a:r>
               <a:rPr lang="en-US" dirty="0"/>
-              <a:t>tSNE2D_hierarchal_11clusters(cosine)</a:t>
+              <a:t>perplexity_10_regularizer_0.001_batch_size_512_learning_rate_0.01_latent_dimension_2_activation_ELU_seed_1_iter_3000_log_likelihood</a:t>
             </a:r>
           </a:p>
         </p:txBody>
@@ -3670,7 +3706,7 @@
           <p:cNvPr id="5" name="Content Placeholder 4">
             <a:extLst>
               <a:ext uri="{FF2B5EF4-FFF2-40B4-BE49-F238E27FC236}">
-                <a16:creationId xmlns:a16="http://schemas.microsoft.com/office/drawing/2014/main" id="{D752EAA2-4643-524A-BA46-FE4269254280}"/>
+                <a16:creationId xmlns:a16="http://schemas.microsoft.com/office/drawing/2014/main" id="{9788A7E3-77C5-2D4D-BE3C-7E5202CB8513}"/>
               </a:ext>
             </a:extLst>
           </p:cNvPr>
@@ -3695,15 +3731,51 @@
         </p:blipFill>
         <p:spPr>
           <a:xfrm>
-            <a:off x="1874768" y="1825625"/>
-            <a:ext cx="8442463" cy="4351338"/>
+            <a:off x="838200" y="1835066"/>
+            <a:ext cx="6527007" cy="4351338"/>
           </a:xfrm>
+        </p:spPr>
+      </p:pic>
+      <p:pic>
+        <p:nvPicPr>
+          <p:cNvPr id="7" name="Picture 6">
+            <a:extLst>
+              <a:ext uri="{FF2B5EF4-FFF2-40B4-BE49-F238E27FC236}">
+                <a16:creationId xmlns:a16="http://schemas.microsoft.com/office/drawing/2014/main" id="{E5B67C34-161E-1740-86BA-822162612C10}"/>
+              </a:ext>
+            </a:extLst>
+          </p:cNvPr>
+          <p:cNvPicPr>
+            <a:picLocks noChangeAspect="1"/>
+          </p:cNvPicPr>
+          <p:nvPr/>
+        </p:nvPicPr>
+        <p:blipFill>
+          <a:blip r:embed="rId3">
+            <a:extLst>
+              <a:ext uri="{28A0092B-C50C-407E-A947-70E740481C1C}">
+                <a14:useLocalDpi xmlns:a14="http://schemas.microsoft.com/office/drawing/2010/main" val="0"/>
+              </a:ext>
+            </a:extLst>
+          </a:blip>
+          <a:stretch>
+            <a:fillRect/>
+          </a:stretch>
+        </p:blipFill>
+        <p:spPr>
+          <a:xfrm>
+            <a:off x="6422883" y="2334125"/>
+            <a:ext cx="4930917" cy="3852279"/>
+          </a:xfrm>
+          <a:prstGeom prst="rect">
+            <a:avLst/>
+          </a:prstGeom>
         </p:spPr>
       </p:pic>
     </p:spTree>
     <p:extLst>
       <p:ext uri="{BB962C8B-B14F-4D97-AF65-F5344CB8AC3E}">
-        <p14:creationId xmlns:p14="http://schemas.microsoft.com/office/powerpoint/2010/main" val="244839831"/>
+        <p14:creationId xmlns:p14="http://schemas.microsoft.com/office/powerpoint/2010/main" val="2591084915"/>
       </p:ext>
     </p:extLst>
   </p:cSld>
@@ -3753,6 +3825,293 @@
           <a:p>
             <a:r>
               <a:rPr lang="en-US" dirty="0"/>
+              <a:t>tSNE2D</a:t>
+            </a:r>
+          </a:p>
+        </p:txBody>
+      </p:sp>
+      <p:pic>
+        <p:nvPicPr>
+          <p:cNvPr id="9" name="Content Placeholder 8">
+            <a:extLst>
+              <a:ext uri="{FF2B5EF4-FFF2-40B4-BE49-F238E27FC236}">
+                <a16:creationId xmlns:a16="http://schemas.microsoft.com/office/drawing/2014/main" id="{0A00DD24-4557-584B-92D1-ABE88FE72981}"/>
+              </a:ext>
+            </a:extLst>
+          </p:cNvPr>
+          <p:cNvPicPr>
+            <a:picLocks noGrp="1" noChangeAspect="1"/>
+          </p:cNvPicPr>
+          <p:nvPr>
+            <p:ph idx="1"/>
+          </p:nvPr>
+        </p:nvPicPr>
+        <p:blipFill>
+          <a:blip r:embed="rId2">
+            <a:extLst>
+              <a:ext uri="{28A0092B-C50C-407E-A947-70E740481C1C}">
+                <a14:useLocalDpi xmlns:a14="http://schemas.microsoft.com/office/drawing/2010/main" val="0"/>
+              </a:ext>
+            </a:extLst>
+          </a:blip>
+          <a:stretch>
+            <a:fillRect/>
+          </a:stretch>
+        </p:blipFill>
+        <p:spPr>
+          <a:xfrm>
+            <a:off x="1874768" y="1825625"/>
+            <a:ext cx="8442463" cy="4351338"/>
+          </a:xfrm>
+        </p:spPr>
+      </p:pic>
+    </p:spTree>
+    <p:extLst>
+      <p:ext uri="{BB962C8B-B14F-4D97-AF65-F5344CB8AC3E}">
+        <p14:creationId xmlns:p14="http://schemas.microsoft.com/office/powerpoint/2010/main" val="2734420776"/>
+      </p:ext>
+    </p:extLst>
+  </p:cSld>
+  <p:clrMapOvr>
+    <a:masterClrMapping/>
+  </p:clrMapOvr>
+</p:sld>
+</file>
+
+<file path=ppt/slides/slide14.xml><?xml version="1.0" encoding="utf-8"?>
+<p:sld xmlns:a="http://schemas.openxmlformats.org/drawingml/2006/main" xmlns:r="http://schemas.openxmlformats.org/officeDocument/2006/relationships" xmlns:p="http://schemas.openxmlformats.org/presentationml/2006/main">
+  <p:cSld>
+    <p:spTree>
+      <p:nvGrpSpPr>
+        <p:cNvPr id="1" name=""/>
+        <p:cNvGrpSpPr/>
+        <p:nvPr/>
+      </p:nvGrpSpPr>
+      <p:grpSpPr>
+        <a:xfrm>
+          <a:off x="0" y="0"/>
+          <a:ext cx="0" cy="0"/>
+          <a:chOff x="0" y="0"/>
+          <a:chExt cx="0" cy="0"/>
+        </a:xfrm>
+      </p:grpSpPr>
+      <p:sp>
+        <p:nvSpPr>
+          <p:cNvPr id="2" name="Title 1">
+            <a:extLst>
+              <a:ext uri="{FF2B5EF4-FFF2-40B4-BE49-F238E27FC236}">
+                <a16:creationId xmlns:a16="http://schemas.microsoft.com/office/drawing/2014/main" id="{EC13DAB8-CB47-E841-8090-A8734FAE50D2}"/>
+              </a:ext>
+            </a:extLst>
+          </p:cNvPr>
+          <p:cNvSpPr>
+            <a:spLocks noGrp="1"/>
+          </p:cNvSpPr>
+          <p:nvPr>
+            <p:ph type="title"/>
+          </p:nvPr>
+        </p:nvSpPr>
+        <p:spPr/>
+        <p:txBody>
+          <a:bodyPr/>
+          <a:lstStyle/>
+          <a:p>
+            <a:r>
+              <a:rPr lang="en-US" dirty="0"/>
+              <a:t>tSNE2D_hierarchal_11clusters(</a:t>
+            </a:r>
+            <a:r>
+              <a:rPr lang="en-US" dirty="0" err="1"/>
+              <a:t>euclidean</a:t>
+            </a:r>
+            <a:r>
+              <a:rPr lang="en-US" dirty="0"/>
+              <a:t>)</a:t>
+            </a:r>
+          </a:p>
+        </p:txBody>
+      </p:sp>
+      <p:pic>
+        <p:nvPicPr>
+          <p:cNvPr id="5" name="Content Placeholder 4">
+            <a:extLst>
+              <a:ext uri="{FF2B5EF4-FFF2-40B4-BE49-F238E27FC236}">
+                <a16:creationId xmlns:a16="http://schemas.microsoft.com/office/drawing/2014/main" id="{DB606667-D4E6-3A48-8628-A97B03658E88}"/>
+              </a:ext>
+            </a:extLst>
+          </p:cNvPr>
+          <p:cNvPicPr>
+            <a:picLocks noGrp="1" noChangeAspect="1"/>
+          </p:cNvPicPr>
+          <p:nvPr>
+            <p:ph idx="1"/>
+          </p:nvPr>
+        </p:nvPicPr>
+        <p:blipFill>
+          <a:blip r:embed="rId2">
+            <a:extLst>
+              <a:ext uri="{28A0092B-C50C-407E-A947-70E740481C1C}">
+                <a14:useLocalDpi xmlns:a14="http://schemas.microsoft.com/office/drawing/2010/main" val="0"/>
+              </a:ext>
+            </a:extLst>
+          </a:blip>
+          <a:stretch>
+            <a:fillRect/>
+          </a:stretch>
+        </p:blipFill>
+        <p:spPr>
+          <a:xfrm>
+            <a:off x="1874768" y="1825625"/>
+            <a:ext cx="8442463" cy="4351338"/>
+          </a:xfrm>
+        </p:spPr>
+      </p:pic>
+    </p:spTree>
+    <p:extLst>
+      <p:ext uri="{BB962C8B-B14F-4D97-AF65-F5344CB8AC3E}">
+        <p14:creationId xmlns:p14="http://schemas.microsoft.com/office/powerpoint/2010/main" val="4215115553"/>
+      </p:ext>
+    </p:extLst>
+  </p:cSld>
+  <p:clrMapOvr>
+    <a:masterClrMapping/>
+  </p:clrMapOvr>
+</p:sld>
+</file>
+
+<file path=ppt/slides/slide15.xml><?xml version="1.0" encoding="utf-8"?>
+<p:sld xmlns:a="http://schemas.openxmlformats.org/drawingml/2006/main" xmlns:r="http://schemas.openxmlformats.org/officeDocument/2006/relationships" xmlns:p="http://schemas.openxmlformats.org/presentationml/2006/main">
+  <p:cSld>
+    <p:spTree>
+      <p:nvGrpSpPr>
+        <p:cNvPr id="1" name=""/>
+        <p:cNvGrpSpPr/>
+        <p:nvPr/>
+      </p:nvGrpSpPr>
+      <p:grpSpPr>
+        <a:xfrm>
+          <a:off x="0" y="0"/>
+          <a:ext cx="0" cy="0"/>
+          <a:chOff x="0" y="0"/>
+          <a:chExt cx="0" cy="0"/>
+        </a:xfrm>
+      </p:grpSpPr>
+      <p:sp>
+        <p:nvSpPr>
+          <p:cNvPr id="2" name="Title 1">
+            <a:extLst>
+              <a:ext uri="{FF2B5EF4-FFF2-40B4-BE49-F238E27FC236}">
+                <a16:creationId xmlns:a16="http://schemas.microsoft.com/office/drawing/2014/main" id="{EC13DAB8-CB47-E841-8090-A8734FAE50D2}"/>
+              </a:ext>
+            </a:extLst>
+          </p:cNvPr>
+          <p:cNvSpPr>
+            <a:spLocks noGrp="1"/>
+          </p:cNvSpPr>
+          <p:nvPr>
+            <p:ph type="title"/>
+          </p:nvPr>
+        </p:nvSpPr>
+        <p:spPr/>
+        <p:txBody>
+          <a:bodyPr/>
+          <a:lstStyle/>
+          <a:p>
+            <a:r>
+              <a:rPr lang="en-US" dirty="0"/>
+              <a:t>tSNE2D_hierarchal_11clusters(cosine)</a:t>
+            </a:r>
+          </a:p>
+        </p:txBody>
+      </p:sp>
+      <p:pic>
+        <p:nvPicPr>
+          <p:cNvPr id="5" name="Content Placeholder 4">
+            <a:extLst>
+              <a:ext uri="{FF2B5EF4-FFF2-40B4-BE49-F238E27FC236}">
+                <a16:creationId xmlns:a16="http://schemas.microsoft.com/office/drawing/2014/main" id="{D752EAA2-4643-524A-BA46-FE4269254280}"/>
+              </a:ext>
+            </a:extLst>
+          </p:cNvPr>
+          <p:cNvPicPr>
+            <a:picLocks noGrp="1" noChangeAspect="1"/>
+          </p:cNvPicPr>
+          <p:nvPr>
+            <p:ph idx="1"/>
+          </p:nvPr>
+        </p:nvPicPr>
+        <p:blipFill>
+          <a:blip r:embed="rId2">
+            <a:extLst>
+              <a:ext uri="{28A0092B-C50C-407E-A947-70E740481C1C}">
+                <a14:useLocalDpi xmlns:a14="http://schemas.microsoft.com/office/drawing/2010/main" val="0"/>
+              </a:ext>
+            </a:extLst>
+          </a:blip>
+          <a:stretch>
+            <a:fillRect/>
+          </a:stretch>
+        </p:blipFill>
+        <p:spPr>
+          <a:xfrm>
+            <a:off x="1874768" y="1825625"/>
+            <a:ext cx="8442463" cy="4351338"/>
+          </a:xfrm>
+        </p:spPr>
+      </p:pic>
+    </p:spTree>
+    <p:extLst>
+      <p:ext uri="{BB962C8B-B14F-4D97-AF65-F5344CB8AC3E}">
+        <p14:creationId xmlns:p14="http://schemas.microsoft.com/office/powerpoint/2010/main" val="244839831"/>
+      </p:ext>
+    </p:extLst>
+  </p:cSld>
+  <p:clrMapOvr>
+    <a:masterClrMapping/>
+  </p:clrMapOvr>
+</p:sld>
+</file>
+
+<file path=ppt/slides/slide16.xml><?xml version="1.0" encoding="utf-8"?>
+<p:sld xmlns:a="http://schemas.openxmlformats.org/drawingml/2006/main" xmlns:r="http://schemas.openxmlformats.org/officeDocument/2006/relationships" xmlns:p="http://schemas.openxmlformats.org/presentationml/2006/main">
+  <p:cSld>
+    <p:spTree>
+      <p:nvGrpSpPr>
+        <p:cNvPr id="1" name=""/>
+        <p:cNvGrpSpPr/>
+        <p:nvPr/>
+      </p:nvGrpSpPr>
+      <p:grpSpPr>
+        <a:xfrm>
+          <a:off x="0" y="0"/>
+          <a:ext cx="0" cy="0"/>
+          <a:chOff x="0" y="0"/>
+          <a:chExt cx="0" cy="0"/>
+        </a:xfrm>
+      </p:grpSpPr>
+      <p:sp>
+        <p:nvSpPr>
+          <p:cNvPr id="2" name="Title 1">
+            <a:extLst>
+              <a:ext uri="{FF2B5EF4-FFF2-40B4-BE49-F238E27FC236}">
+                <a16:creationId xmlns:a16="http://schemas.microsoft.com/office/drawing/2014/main" id="{EC13DAB8-CB47-E841-8090-A8734FAE50D2}"/>
+              </a:ext>
+            </a:extLst>
+          </p:cNvPr>
+          <p:cNvSpPr>
+            <a:spLocks noGrp="1"/>
+          </p:cNvSpPr>
+          <p:nvPr>
+            <p:ph type="title"/>
+          </p:nvPr>
+        </p:nvSpPr>
+        <p:spPr/>
+        <p:txBody>
+          <a:bodyPr/>
+          <a:lstStyle/>
+          <a:p>
+            <a:r>
+              <a:rPr lang="en-US" dirty="0"/>
               <a:t>PairwiseSilhouetteCoefficient_hierarchal_11clusters</a:t>
             </a:r>
           </a:p>
@@ -3806,7 +4165,7 @@
 </p:sld>
 </file>
 
-<file path=ppt/slides/slide14.xml><?xml version="1.0" encoding="utf-8"?>
+<file path=ppt/slides/slide17.xml><?xml version="1.0" encoding="utf-8"?>
 <p:sld xmlns:a="http://schemas.openxmlformats.org/drawingml/2006/main" xmlns:r="http://schemas.openxmlformats.org/officeDocument/2006/relationships" xmlns:p="http://schemas.openxmlformats.org/presentationml/2006/main">
   <p:cSld>
     <p:spTree>
@@ -3939,7 +4298,7 @@
           <a:p>
             <a:r>
               <a:rPr lang="en-US" dirty="0"/>
-              <a:t>data</a:t>
+              <a:t>Data: Airway</a:t>
             </a:r>
           </a:p>
         </p:txBody>
@@ -4014,7 +4373,7 @@
           <p:cNvPr id="2" name="标题 1">
             <a:extLst>
               <a:ext uri="{FF2B5EF4-FFF2-40B4-BE49-F238E27FC236}">
-                <a16:creationId xmlns:a16="http://schemas.microsoft.com/office/drawing/2014/main" id="{570884BE-73D7-45C3-8487-3FD202938706}"/>
+                <a16:creationId xmlns:a16="http://schemas.microsoft.com/office/drawing/2014/main" id="{57015E6E-CA56-48A4-9918-336031A6CF00}"/>
               </a:ext>
             </a:extLst>
           </p:cNvPr>
@@ -4030,16 +4389,19 @@
           <a:bodyPr/>
           <a:lstStyle/>
           <a:p>
-            <a:endParaRPr lang="en-US"/>
+            <a:r>
+              <a:rPr lang="en-US" dirty="0"/>
+              <a:t>Data: Gland</a:t>
+            </a:r>
           </a:p>
         </p:txBody>
       </p:sp>
       <p:pic>
         <p:nvPicPr>
-          <p:cNvPr id="6" name="内容占位符 5">
-            <a:extLst>
-              <a:ext uri="{FF2B5EF4-FFF2-40B4-BE49-F238E27FC236}">
-                <a16:creationId xmlns:a16="http://schemas.microsoft.com/office/drawing/2014/main" id="{D7716D26-F39A-46F6-8B7B-FFAFAC020F64}"/>
+          <p:cNvPr id="5" name="内容占位符 4">
+            <a:extLst>
+              <a:ext uri="{FF2B5EF4-FFF2-40B4-BE49-F238E27FC236}">
+                <a16:creationId xmlns:a16="http://schemas.microsoft.com/office/drawing/2014/main" id="{9A3E85F9-772E-4FA3-A730-F831133F8DDB}"/>
               </a:ext>
             </a:extLst>
           </p:cNvPr>
@@ -4064,15 +4426,15 @@
         </p:blipFill>
         <p:spPr>
           <a:xfrm>
-            <a:off x="661315" y="592808"/>
-            <a:ext cx="10869369" cy="5434685"/>
+            <a:off x="3195108" y="1825625"/>
+            <a:ext cx="5801784" cy="4351338"/>
           </a:xfrm>
         </p:spPr>
       </p:pic>
     </p:spTree>
     <p:extLst>
       <p:ext uri="{BB962C8B-B14F-4D97-AF65-F5344CB8AC3E}">
-        <p14:creationId xmlns:p14="http://schemas.microsoft.com/office/powerpoint/2010/main" val="2342643298"/>
+        <p14:creationId xmlns:p14="http://schemas.microsoft.com/office/powerpoint/2010/main" val="2747015051"/>
       </p:ext>
     </p:extLst>
   </p:cSld>
@@ -4104,7 +4466,7 @@
           <p:cNvPr id="2" name="标题 1">
             <a:extLst>
               <a:ext uri="{FF2B5EF4-FFF2-40B4-BE49-F238E27FC236}">
-                <a16:creationId xmlns:a16="http://schemas.microsoft.com/office/drawing/2014/main" id="{44D0CE58-00A8-448A-B6D5-8DE0AF4DB5CA}"/>
+                <a16:creationId xmlns:a16="http://schemas.microsoft.com/office/drawing/2014/main" id="{570884BE-73D7-45C3-8487-3FD202938706}"/>
               </a:ext>
             </a:extLst>
           </p:cNvPr>
@@ -4126,10 +4488,10 @@
       </p:sp>
       <p:pic>
         <p:nvPicPr>
-          <p:cNvPr id="5" name="内容占位符 4">
-            <a:extLst>
-              <a:ext uri="{FF2B5EF4-FFF2-40B4-BE49-F238E27FC236}">
-                <a16:creationId xmlns:a16="http://schemas.microsoft.com/office/drawing/2014/main" id="{8E095201-7082-4740-ADDE-D28D14D5CE9D}"/>
+          <p:cNvPr id="6" name="内容占位符 5">
+            <a:extLst>
+              <a:ext uri="{FF2B5EF4-FFF2-40B4-BE49-F238E27FC236}">
+                <a16:creationId xmlns:a16="http://schemas.microsoft.com/office/drawing/2014/main" id="{D7716D26-F39A-46F6-8B7B-FFAFAC020F64}"/>
               </a:ext>
             </a:extLst>
           </p:cNvPr>
@@ -4154,15 +4516,15 @@
         </p:blipFill>
         <p:spPr>
           <a:xfrm>
-            <a:off x="3195108" y="1825625"/>
-            <a:ext cx="5801784" cy="4351338"/>
+            <a:off x="661315" y="592808"/>
+            <a:ext cx="10869369" cy="5434685"/>
           </a:xfrm>
         </p:spPr>
       </p:pic>
     </p:spTree>
     <p:extLst>
       <p:ext uri="{BB962C8B-B14F-4D97-AF65-F5344CB8AC3E}">
-        <p14:creationId xmlns:p14="http://schemas.microsoft.com/office/powerpoint/2010/main" val="2746212257"/>
+        <p14:creationId xmlns:p14="http://schemas.microsoft.com/office/powerpoint/2010/main" val="2342643298"/>
       </p:ext>
     </p:extLst>
   </p:cSld>
@@ -4194,7 +4556,7 @@
           <p:cNvPr id="2" name="标题 1">
             <a:extLst>
               <a:ext uri="{FF2B5EF4-FFF2-40B4-BE49-F238E27FC236}">
-                <a16:creationId xmlns:a16="http://schemas.microsoft.com/office/drawing/2014/main" id="{CA293A52-C4CB-4974-A739-6247AC89EA46}"/>
+                <a16:creationId xmlns:a16="http://schemas.microsoft.com/office/drawing/2014/main" id="{44D0CE58-00A8-448A-B6D5-8DE0AF4DB5CA}"/>
               </a:ext>
             </a:extLst>
           </p:cNvPr>
@@ -4210,22 +4572,7 @@
           <a:bodyPr/>
           <a:lstStyle/>
           <a:p>
-            <a:r>
-              <a:rPr lang="en-US" dirty="0" err="1"/>
-              <a:t>Min_cells</a:t>
-            </a:r>
-            <a:r>
-              <a:rPr lang="en-US" dirty="0"/>
-              <a:t>=50 </a:t>
-            </a:r>
-            <a:r>
-              <a:rPr lang="en-US" dirty="0" err="1"/>
-              <a:t>Min_Gene</a:t>
-            </a:r>
-            <a:r>
-              <a:rPr lang="en-US" dirty="0"/>
-              <a:t>=100</a:t>
-            </a:r>
+            <a:endParaRPr lang="en-US"/>
           </a:p>
         </p:txBody>
       </p:sp>
@@ -4234,7 +4581,7 @@
           <p:cNvPr id="5" name="内容占位符 4">
             <a:extLst>
               <a:ext uri="{FF2B5EF4-FFF2-40B4-BE49-F238E27FC236}">
-                <a16:creationId xmlns:a16="http://schemas.microsoft.com/office/drawing/2014/main" id="{9397EA34-F901-45F3-B626-A6FDED261D13}"/>
+                <a16:creationId xmlns:a16="http://schemas.microsoft.com/office/drawing/2014/main" id="{8E095201-7082-4740-ADDE-D28D14D5CE9D}"/>
               </a:ext>
             </a:extLst>
           </p:cNvPr>
@@ -4259,15 +4606,15 @@
         </p:blipFill>
         <p:spPr>
           <a:xfrm>
-            <a:off x="1744662" y="1825625"/>
-            <a:ext cx="8702676" cy="4351338"/>
+            <a:off x="3195108" y="1825625"/>
+            <a:ext cx="5801784" cy="4351338"/>
           </a:xfrm>
         </p:spPr>
       </p:pic>
     </p:spTree>
     <p:extLst>
       <p:ext uri="{BB962C8B-B14F-4D97-AF65-F5344CB8AC3E}">
-        <p14:creationId xmlns:p14="http://schemas.microsoft.com/office/powerpoint/2010/main" val="2941027280"/>
+        <p14:creationId xmlns:p14="http://schemas.microsoft.com/office/powerpoint/2010/main" val="2746212257"/>
       </p:ext>
     </p:extLst>
   </p:cSld>
@@ -4299,7 +4646,7 @@
           <p:cNvPr id="2" name="标题 1">
             <a:extLst>
               <a:ext uri="{FF2B5EF4-FFF2-40B4-BE49-F238E27FC236}">
-                <a16:creationId xmlns:a16="http://schemas.microsoft.com/office/drawing/2014/main" id="{FEF5C7D6-A81D-43EA-BF27-6E7DC3BD42EC}"/>
+                <a16:creationId xmlns:a16="http://schemas.microsoft.com/office/drawing/2014/main" id="{CA293A52-C4CB-4974-A739-6247AC89EA46}"/>
               </a:ext>
             </a:extLst>
           </p:cNvPr>
@@ -4317,7 +4664,23 @@
           <a:p>
             <a:r>
               <a:rPr lang="en-US" dirty="0"/>
-              <a:t>K-mean: k=7</a:t>
+              <a:t>Airway: </a:t>
+            </a:r>
+            <a:r>
+              <a:rPr lang="en-US" dirty="0" err="1"/>
+              <a:t>Min_cells</a:t>
+            </a:r>
+            <a:r>
+              <a:rPr lang="en-US" dirty="0"/>
+              <a:t>=50 </a:t>
+            </a:r>
+            <a:r>
+              <a:rPr lang="en-US" dirty="0" err="1"/>
+              <a:t>Min_Gene</a:t>
+            </a:r>
+            <a:r>
+              <a:rPr lang="en-US" dirty="0"/>
+              <a:t>=100</a:t>
             </a:r>
           </a:p>
         </p:txBody>
@@ -4327,7 +4690,7 @@
           <p:cNvPr id="5" name="内容占位符 4">
             <a:extLst>
               <a:ext uri="{FF2B5EF4-FFF2-40B4-BE49-F238E27FC236}">
-                <a16:creationId xmlns:a16="http://schemas.microsoft.com/office/drawing/2014/main" id="{EE5EC297-282C-472C-8BA2-9D664FE1C99E}"/>
+                <a16:creationId xmlns:a16="http://schemas.microsoft.com/office/drawing/2014/main" id="{9397EA34-F901-45F3-B626-A6FDED261D13}"/>
               </a:ext>
             </a:extLst>
           </p:cNvPr>
@@ -4360,7 +4723,7 @@
     </p:spTree>
     <p:extLst>
       <p:ext uri="{BB962C8B-B14F-4D97-AF65-F5344CB8AC3E}">
-        <p14:creationId xmlns:p14="http://schemas.microsoft.com/office/powerpoint/2010/main" val="3915212312"/>
+        <p14:creationId xmlns:p14="http://schemas.microsoft.com/office/powerpoint/2010/main" val="2941027280"/>
       </p:ext>
     </p:extLst>
   </p:cSld>
@@ -4392,7 +4755,7 @@
           <p:cNvPr id="2" name="标题 1">
             <a:extLst>
               <a:ext uri="{FF2B5EF4-FFF2-40B4-BE49-F238E27FC236}">
-                <a16:creationId xmlns:a16="http://schemas.microsoft.com/office/drawing/2014/main" id="{93DAA349-8B9C-4E49-B763-D332BD634221}"/>
+                <a16:creationId xmlns:a16="http://schemas.microsoft.com/office/drawing/2014/main" id="{FEF5C7D6-A81D-43EA-BF27-6E7DC3BD42EC}"/>
               </a:ext>
             </a:extLst>
           </p:cNvPr>
@@ -4409,19 +4772,18 @@
           <a:lstStyle/>
           <a:p>
             <a:r>
-              <a:rPr lang="en-US" altLang="zh-CN" dirty="0"/>
-              <a:t>PCA_hierarchal_11clusters(cosine)</a:t>
-            </a:r>
-            <a:endParaRPr lang="en-US" dirty="0"/>
+              <a:rPr lang="en-US" dirty="0"/>
+              <a:t>Airway: K-mean: k=7</a:t>
+            </a:r>
           </a:p>
         </p:txBody>
       </p:sp>
       <p:pic>
         <p:nvPicPr>
-          <p:cNvPr id="5" name="Content Placeholder 4">
-            <a:extLst>
-              <a:ext uri="{FF2B5EF4-FFF2-40B4-BE49-F238E27FC236}">
-                <a16:creationId xmlns:a16="http://schemas.microsoft.com/office/drawing/2014/main" id="{79D7E175-206B-DD4E-BCAF-F36B2AC0F74C}"/>
+          <p:cNvPr id="5" name="内容占位符 4">
+            <a:extLst>
+              <a:ext uri="{FF2B5EF4-FFF2-40B4-BE49-F238E27FC236}">
+                <a16:creationId xmlns:a16="http://schemas.microsoft.com/office/drawing/2014/main" id="{EE5EC297-282C-472C-8BA2-9D664FE1C99E}"/>
               </a:ext>
             </a:extLst>
           </p:cNvPr>
@@ -4454,7 +4816,7 @@
     </p:spTree>
     <p:extLst>
       <p:ext uri="{BB962C8B-B14F-4D97-AF65-F5344CB8AC3E}">
-        <p14:creationId xmlns:p14="http://schemas.microsoft.com/office/powerpoint/2010/main" val="1036424794"/>
+        <p14:creationId xmlns:p14="http://schemas.microsoft.com/office/powerpoint/2010/main" val="3915212312"/>
       </p:ext>
     </p:extLst>
   </p:cSld>
@@ -4483,10 +4845,10 @@
       </p:grpSpPr>
       <p:sp>
         <p:nvSpPr>
-          <p:cNvPr id="2" name="Title 1">
-            <a:extLst>
-              <a:ext uri="{FF2B5EF4-FFF2-40B4-BE49-F238E27FC236}">
-                <a16:creationId xmlns:a16="http://schemas.microsoft.com/office/drawing/2014/main" id="{EC13DAB8-CB47-E841-8090-A8734FAE50D2}"/>
+          <p:cNvPr id="2" name="标题 1">
+            <a:extLst>
+              <a:ext uri="{FF2B5EF4-FFF2-40B4-BE49-F238E27FC236}">
+                <a16:creationId xmlns:a16="http://schemas.microsoft.com/office/drawing/2014/main" id="{3A2F9B48-EB70-4D50-8E65-207474D76BF8}"/>
               </a:ext>
             </a:extLst>
           </p:cNvPr>
@@ -4499,24 +4861,27 @@
         </p:nvSpPr>
         <p:spPr/>
         <p:txBody>
-          <a:bodyPr>
-            <a:normAutofit fontScale="90000"/>
-          </a:bodyPr>
+          <a:bodyPr/>
           <a:lstStyle/>
           <a:p>
             <a:r>
               <a:rPr lang="en-US" dirty="0"/>
-              <a:t>perplexity_10_regularizer_0.001_batch_size_512_learning_rate_0.01_latent_dimension_2_activation_ELU_seed_1_iter_3000_log_likelihood</a:t>
-            </a:r>
+              <a:t>Gland: </a:t>
+            </a:r>
+            <a:r>
+              <a:rPr lang="en-US" dirty="0" err="1"/>
+              <a:t>Tsne</a:t>
+            </a:r>
+            <a:endParaRPr lang="en-US" dirty="0"/>
           </a:p>
         </p:txBody>
       </p:sp>
       <p:pic>
         <p:nvPicPr>
-          <p:cNvPr id="5" name="Content Placeholder 4">
-            <a:extLst>
-              <a:ext uri="{FF2B5EF4-FFF2-40B4-BE49-F238E27FC236}">
-                <a16:creationId xmlns:a16="http://schemas.microsoft.com/office/drawing/2014/main" id="{53BE57DD-9603-E64C-AD48-2D4486F78A32}"/>
+          <p:cNvPr id="5" name="内容占位符 4">
+            <a:extLst>
+              <a:ext uri="{FF2B5EF4-FFF2-40B4-BE49-F238E27FC236}">
+                <a16:creationId xmlns:a16="http://schemas.microsoft.com/office/drawing/2014/main" id="{9461B95E-2DAF-48A7-B3D1-2A7C88A8BE93}"/>
               </a:ext>
             </a:extLst>
           </p:cNvPr>
@@ -4541,51 +4906,15 @@
         </p:blipFill>
         <p:spPr>
           <a:xfrm>
-            <a:off x="838200" y="1970004"/>
-            <a:ext cx="6527007" cy="4351338"/>
+            <a:off x="1744662" y="1825625"/>
+            <a:ext cx="8702676" cy="4351338"/>
           </a:xfrm>
-        </p:spPr>
-      </p:pic>
-      <p:pic>
-        <p:nvPicPr>
-          <p:cNvPr id="7" name="Picture 6">
-            <a:extLst>
-              <a:ext uri="{FF2B5EF4-FFF2-40B4-BE49-F238E27FC236}">
-                <a16:creationId xmlns:a16="http://schemas.microsoft.com/office/drawing/2014/main" id="{34961817-C611-E64C-AB46-848C7E5B0D38}"/>
-              </a:ext>
-            </a:extLst>
-          </p:cNvPr>
-          <p:cNvPicPr>
-            <a:picLocks noChangeAspect="1"/>
-          </p:cNvPicPr>
-          <p:nvPr/>
-        </p:nvPicPr>
-        <p:blipFill>
-          <a:blip r:embed="rId3">
-            <a:extLst>
-              <a:ext uri="{28A0092B-C50C-407E-A947-70E740481C1C}">
-                <a14:useLocalDpi xmlns:a14="http://schemas.microsoft.com/office/drawing/2010/main" val="0"/>
-              </a:ext>
-            </a:extLst>
-          </a:blip>
-          <a:stretch>
-            <a:fillRect/>
-          </a:stretch>
-        </p:blipFill>
-        <p:spPr>
-          <a:xfrm>
-            <a:off x="6333262" y="2399047"/>
-            <a:ext cx="5020538" cy="3922295"/>
-          </a:xfrm>
-          <a:prstGeom prst="rect">
-            <a:avLst/>
-          </a:prstGeom>
         </p:spPr>
       </p:pic>
     </p:spTree>
     <p:extLst>
       <p:ext uri="{BB962C8B-B14F-4D97-AF65-F5344CB8AC3E}">
-        <p14:creationId xmlns:p14="http://schemas.microsoft.com/office/powerpoint/2010/main" val="1733719691"/>
+        <p14:creationId xmlns:p14="http://schemas.microsoft.com/office/powerpoint/2010/main" val="2743604808"/>
       </p:ext>
     </p:extLst>
   </p:cSld>
@@ -4614,10 +4943,10 @@
       </p:grpSpPr>
       <p:sp>
         <p:nvSpPr>
-          <p:cNvPr id="2" name="Title 1">
-            <a:extLst>
-              <a:ext uri="{FF2B5EF4-FFF2-40B4-BE49-F238E27FC236}">
-                <a16:creationId xmlns:a16="http://schemas.microsoft.com/office/drawing/2014/main" id="{EC13DAB8-CB47-E841-8090-A8734FAE50D2}"/>
+          <p:cNvPr id="2" name="标题 1">
+            <a:extLst>
+              <a:ext uri="{FF2B5EF4-FFF2-40B4-BE49-F238E27FC236}">
+                <a16:creationId xmlns:a16="http://schemas.microsoft.com/office/drawing/2014/main" id="{3459A735-51BF-4BBB-81F1-340C2B55C5BE}"/>
               </a:ext>
             </a:extLst>
           </p:cNvPr>
@@ -4630,24 +4959,22 @@
         </p:nvSpPr>
         <p:spPr/>
         <p:txBody>
-          <a:bodyPr>
-            <a:normAutofit fontScale="90000"/>
-          </a:bodyPr>
+          <a:bodyPr/>
           <a:lstStyle/>
           <a:p>
             <a:r>
               <a:rPr lang="en-US" dirty="0"/>
-              <a:t>perplexity_10_regularizer_0.001_batch_size_512_learning_rate_0.01_latent_dimension_2_activation_ELU_seed_1_iter_3000_log_likelihood</a:t>
+              <a:t>Gland: K-means k=10</a:t>
             </a:r>
           </a:p>
         </p:txBody>
       </p:sp>
       <p:pic>
         <p:nvPicPr>
-          <p:cNvPr id="5" name="Content Placeholder 4">
-            <a:extLst>
-              <a:ext uri="{FF2B5EF4-FFF2-40B4-BE49-F238E27FC236}">
-                <a16:creationId xmlns:a16="http://schemas.microsoft.com/office/drawing/2014/main" id="{9788A7E3-77C5-2D4D-BE3C-7E5202CB8513}"/>
+          <p:cNvPr id="5" name="内容占位符 4">
+            <a:extLst>
+              <a:ext uri="{FF2B5EF4-FFF2-40B4-BE49-F238E27FC236}">
+                <a16:creationId xmlns:a16="http://schemas.microsoft.com/office/drawing/2014/main" id="{C07F8B04-FC57-429D-A477-8ACD618E0CCE}"/>
               </a:ext>
             </a:extLst>
           </p:cNvPr>
@@ -4672,51 +4999,15 @@
         </p:blipFill>
         <p:spPr>
           <a:xfrm>
-            <a:off x="838200" y="1835066"/>
-            <a:ext cx="6527007" cy="4351338"/>
+            <a:off x="1744662" y="1825625"/>
+            <a:ext cx="8702676" cy="4351338"/>
           </a:xfrm>
-        </p:spPr>
-      </p:pic>
-      <p:pic>
-        <p:nvPicPr>
-          <p:cNvPr id="7" name="Picture 6">
-            <a:extLst>
-              <a:ext uri="{FF2B5EF4-FFF2-40B4-BE49-F238E27FC236}">
-                <a16:creationId xmlns:a16="http://schemas.microsoft.com/office/drawing/2014/main" id="{E5B67C34-161E-1740-86BA-822162612C10}"/>
-              </a:ext>
-            </a:extLst>
-          </p:cNvPr>
-          <p:cNvPicPr>
-            <a:picLocks noChangeAspect="1"/>
-          </p:cNvPicPr>
-          <p:nvPr/>
-        </p:nvPicPr>
-        <p:blipFill>
-          <a:blip r:embed="rId3">
-            <a:extLst>
-              <a:ext uri="{28A0092B-C50C-407E-A947-70E740481C1C}">
-                <a14:useLocalDpi xmlns:a14="http://schemas.microsoft.com/office/drawing/2010/main" val="0"/>
-              </a:ext>
-            </a:extLst>
-          </a:blip>
-          <a:stretch>
-            <a:fillRect/>
-          </a:stretch>
-        </p:blipFill>
-        <p:spPr>
-          <a:xfrm>
-            <a:off x="6422883" y="2334125"/>
-            <a:ext cx="4930917" cy="3852279"/>
-          </a:xfrm>
-          <a:prstGeom prst="rect">
-            <a:avLst/>
-          </a:prstGeom>
         </p:spPr>
       </p:pic>
     </p:spTree>
     <p:extLst>
       <p:ext uri="{BB962C8B-B14F-4D97-AF65-F5344CB8AC3E}">
-        <p14:creationId xmlns:p14="http://schemas.microsoft.com/office/powerpoint/2010/main" val="2591084915"/>
+        <p14:creationId xmlns:p14="http://schemas.microsoft.com/office/powerpoint/2010/main" val="645149023"/>
       </p:ext>
     </p:extLst>
   </p:cSld>
